--- a/[presentation/[6]Semantic.pptx
+++ b/[presentation/[6]Semantic.pptx
@@ -195,7 +195,7 @@
           <a:p>
             <a:fld id="{846DF63A-6DEE-48D8-8BE9-099E5948A2A7}" type="datetimeFigureOut">
               <a:rPr lang="zh-CN" altLang="en-US" smtClean="0"/>
-              <a:t>2014/12/5</a:t>
+              <a:t>2014/12/10</a:t>
             </a:fld>
             <a:endParaRPr lang="zh-CN" altLang="en-US"/>
           </a:p>
@@ -914,7 +914,7 @@
           <a:p>
             <a:fld id="{530820CF-B880-4189-942D-D702A7CBA730}" type="datetimeFigureOut">
               <a:rPr lang="zh-CN" altLang="en-US" smtClean="0"/>
-              <a:t>2014/12/5</a:t>
+              <a:t>2014/12/10</a:t>
             </a:fld>
             <a:endParaRPr lang="zh-CN" altLang="en-US"/>
           </a:p>
@@ -1079,7 +1079,7 @@
           <a:p>
             <a:fld id="{530820CF-B880-4189-942D-D702A7CBA730}" type="datetimeFigureOut">
               <a:rPr lang="zh-CN" altLang="en-US" smtClean="0"/>
-              <a:t>2014/12/5</a:t>
+              <a:t>2014/12/10</a:t>
             </a:fld>
             <a:endParaRPr lang="zh-CN" altLang="en-US"/>
           </a:p>
@@ -1254,7 +1254,7 @@
           <a:p>
             <a:fld id="{530820CF-B880-4189-942D-D702A7CBA730}" type="datetimeFigureOut">
               <a:rPr lang="zh-CN" altLang="en-US" smtClean="0"/>
-              <a:t>2014/12/5</a:t>
+              <a:t>2014/12/10</a:t>
             </a:fld>
             <a:endParaRPr lang="zh-CN" altLang="en-US"/>
           </a:p>
@@ -1419,7 +1419,7 @@
           <a:p>
             <a:fld id="{530820CF-B880-4189-942D-D702A7CBA730}" type="datetimeFigureOut">
               <a:rPr lang="zh-CN" altLang="en-US" smtClean="0"/>
-              <a:t>2014/12/5</a:t>
+              <a:t>2014/12/10</a:t>
             </a:fld>
             <a:endParaRPr lang="zh-CN" altLang="en-US"/>
           </a:p>
@@ -1660,7 +1660,7 @@
           <a:p>
             <a:fld id="{530820CF-B880-4189-942D-D702A7CBA730}" type="datetimeFigureOut">
               <a:rPr lang="zh-CN" altLang="en-US" smtClean="0"/>
-              <a:t>2014/12/5</a:t>
+              <a:t>2014/12/10</a:t>
             </a:fld>
             <a:endParaRPr lang="zh-CN" altLang="en-US"/>
           </a:p>
@@ -1943,7 +1943,7 @@
           <a:p>
             <a:fld id="{530820CF-B880-4189-942D-D702A7CBA730}" type="datetimeFigureOut">
               <a:rPr lang="zh-CN" altLang="en-US" smtClean="0"/>
-              <a:t>2014/12/5</a:t>
+              <a:t>2014/12/10</a:t>
             </a:fld>
             <a:endParaRPr lang="zh-CN" altLang="en-US"/>
           </a:p>
@@ -2360,7 +2360,7 @@
           <a:p>
             <a:fld id="{530820CF-B880-4189-942D-D702A7CBA730}" type="datetimeFigureOut">
               <a:rPr lang="zh-CN" altLang="en-US" smtClean="0"/>
-              <a:t>2014/12/5</a:t>
+              <a:t>2014/12/10</a:t>
             </a:fld>
             <a:endParaRPr lang="zh-CN" altLang="en-US"/>
           </a:p>
@@ -2473,7 +2473,7 @@
           <a:p>
             <a:fld id="{530820CF-B880-4189-942D-D702A7CBA730}" type="datetimeFigureOut">
               <a:rPr lang="zh-CN" altLang="en-US" smtClean="0"/>
-              <a:t>2014/12/5</a:t>
+              <a:t>2014/12/10</a:t>
             </a:fld>
             <a:endParaRPr lang="zh-CN" altLang="en-US"/>
           </a:p>
@@ -2563,7 +2563,7 @@
           <a:p>
             <a:fld id="{530820CF-B880-4189-942D-D702A7CBA730}" type="datetimeFigureOut">
               <a:rPr lang="zh-CN" altLang="en-US" smtClean="0"/>
-              <a:t>2014/12/5</a:t>
+              <a:t>2014/12/10</a:t>
             </a:fld>
             <a:endParaRPr lang="zh-CN" altLang="en-US"/>
           </a:p>
@@ -2835,7 +2835,7 @@
           <a:p>
             <a:fld id="{530820CF-B880-4189-942D-D702A7CBA730}" type="datetimeFigureOut">
               <a:rPr lang="zh-CN" altLang="en-US" smtClean="0"/>
-              <a:t>2014/12/5</a:t>
+              <a:t>2014/12/10</a:t>
             </a:fld>
             <a:endParaRPr lang="zh-CN" altLang="en-US"/>
           </a:p>
@@ -3083,7 +3083,7 @@
           <a:p>
             <a:fld id="{530820CF-B880-4189-942D-D702A7CBA730}" type="datetimeFigureOut">
               <a:rPr lang="zh-CN" altLang="en-US" smtClean="0"/>
-              <a:t>2014/12/5</a:t>
+              <a:t>2014/12/10</a:t>
             </a:fld>
             <a:endParaRPr lang="zh-CN" altLang="en-US"/>
           </a:p>
@@ -3291,7 +3291,7 @@
           <a:p>
             <a:fld id="{530820CF-B880-4189-942D-D702A7CBA730}" type="datetimeFigureOut">
               <a:rPr lang="zh-CN" altLang="en-US" smtClean="0"/>
-              <a:t>2014/12/5</a:t>
+              <a:t>2014/12/10</a:t>
             </a:fld>
             <a:endParaRPr lang="zh-CN" altLang="en-US"/>
           </a:p>
